--- a/project3/Alansslides.pptx
+++ b/project3/Alansslides.pptx
@@ -7,6 +7,13 @@
   <p:sldIdLst>
     <p:sldId id="256" r:id="rId2"/>
     <p:sldId id="257" r:id="rId3"/>
+    <p:sldId id="258" r:id="rId4"/>
+    <p:sldId id="259" r:id="rId5"/>
+    <p:sldId id="260" r:id="rId6"/>
+    <p:sldId id="261" r:id="rId7"/>
+    <p:sldId id="262" r:id="rId8"/>
+    <p:sldId id="264" r:id="rId9"/>
+    <p:sldId id="263" r:id="rId10"/>
   </p:sldIdLst>
   <p:sldSz cx="12192000" cy="6858000"/>
   <p:notesSz cx="6858000" cy="9144000"/>
@@ -105,6 +112,11 @@
       </a:defRPr>
     </a:lvl9pPr>
   </p:defaultTextStyle>
+  <p:extLst>
+    <p:ext uri="{EFAFB233-063F-42B5-8137-9DF3F51BA10A}">
+      <p15:sldGuideLst xmlns:p15="http://schemas.microsoft.com/office/powerpoint/2012/main"/>
+    </p:ext>
+  </p:extLst>
 </p:presentation>
 </file>
 
@@ -3048,7 +3060,11 @@
           <a:bodyPr/>
           <a:lstStyle/>
           <a:p>
-            <a:endParaRPr lang="en-US"/>
+            <a:r>
+              <a:rPr lang="en-US" dirty="0" smtClean="0"/>
+              <a:t>Introduction</a:t>
+            </a:r>
+            <a:endParaRPr lang="en-US" dirty="0"/>
           </a:p>
         </p:txBody>
       </p:sp>
@@ -3075,6 +3091,657 @@
     <p:extLst>
       <p:ext uri="{BB962C8B-B14F-4D97-AF65-F5344CB8AC3E}">
         <p14:creationId xmlns:p14="http://schemas.microsoft.com/office/powerpoint/2010/main" val="1070358968"/>
+      </p:ext>
+    </p:extLst>
+  </p:cSld>
+  <p:clrMapOvr>
+    <a:masterClrMapping/>
+  </p:clrMapOvr>
+</p:sld>
+</file>
+
+<file path=ppt/slides/slide3.xml><?xml version="1.0" encoding="utf-8"?>
+<p:sld xmlns:a="http://schemas.openxmlformats.org/drawingml/2006/main" xmlns:r="http://schemas.openxmlformats.org/officeDocument/2006/relationships" xmlns:p="http://schemas.openxmlformats.org/presentationml/2006/main">
+  <p:cSld>
+    <p:spTree>
+      <p:nvGrpSpPr>
+        <p:cNvPr id="1" name=""/>
+        <p:cNvGrpSpPr/>
+        <p:nvPr/>
+      </p:nvGrpSpPr>
+      <p:grpSpPr>
+        <a:xfrm>
+          <a:off x="0" y="0"/>
+          <a:ext cx="0" cy="0"/>
+          <a:chOff x="0" y="0"/>
+          <a:chExt cx="0" cy="0"/>
+        </a:xfrm>
+      </p:grpSpPr>
+      <p:sp>
+        <p:nvSpPr>
+          <p:cNvPr id="2" name="Title 1"/>
+          <p:cNvSpPr>
+            <a:spLocks noGrp="1"/>
+          </p:cNvSpPr>
+          <p:nvPr>
+            <p:ph type="title"/>
+          </p:nvPr>
+        </p:nvSpPr>
+        <p:spPr/>
+        <p:txBody>
+          <a:bodyPr/>
+          <a:lstStyle/>
+          <a:p>
+            <a:r>
+              <a:rPr lang="en-US" dirty="0" smtClean="0"/>
+              <a:t>Steger’s Algorithm</a:t>
+            </a:r>
+            <a:endParaRPr lang="en-US" dirty="0"/>
+          </a:p>
+        </p:txBody>
+      </p:sp>
+      <p:sp>
+        <p:nvSpPr>
+          <p:cNvPr id="3" name="Content Placeholder 2"/>
+          <p:cNvSpPr>
+            <a:spLocks noGrp="1"/>
+          </p:cNvSpPr>
+          <p:nvPr>
+            <p:ph idx="1"/>
+          </p:nvPr>
+        </p:nvSpPr>
+        <p:spPr/>
+        <p:txBody>
+          <a:bodyPr/>
+          <a:lstStyle/>
+          <a:p>
+            <a:endParaRPr lang="en-US"/>
+          </a:p>
+        </p:txBody>
+      </p:sp>
+    </p:spTree>
+    <p:extLst>
+      <p:ext uri="{BB962C8B-B14F-4D97-AF65-F5344CB8AC3E}">
+        <p14:creationId xmlns:p14="http://schemas.microsoft.com/office/powerpoint/2010/main" val="832314611"/>
+      </p:ext>
+    </p:extLst>
+  </p:cSld>
+  <p:clrMapOvr>
+    <a:masterClrMapping/>
+  </p:clrMapOvr>
+</p:sld>
+</file>
+
+<file path=ppt/slides/slide4.xml><?xml version="1.0" encoding="utf-8"?>
+<p:sld xmlns:a="http://schemas.openxmlformats.org/drawingml/2006/main" xmlns:r="http://schemas.openxmlformats.org/officeDocument/2006/relationships" xmlns:p="http://schemas.openxmlformats.org/presentationml/2006/main">
+  <p:cSld>
+    <p:spTree>
+      <p:nvGrpSpPr>
+        <p:cNvPr id="1" name=""/>
+        <p:cNvGrpSpPr/>
+        <p:nvPr/>
+      </p:nvGrpSpPr>
+      <p:grpSpPr>
+        <a:xfrm>
+          <a:off x="0" y="0"/>
+          <a:ext cx="0" cy="0"/>
+          <a:chOff x="0" y="0"/>
+          <a:chExt cx="0" cy="0"/>
+        </a:xfrm>
+      </p:grpSpPr>
+      <p:sp>
+        <p:nvSpPr>
+          <p:cNvPr id="2" name="Title 1"/>
+          <p:cNvSpPr>
+            <a:spLocks noGrp="1"/>
+          </p:cNvSpPr>
+          <p:nvPr>
+            <p:ph type="title"/>
+          </p:nvPr>
+        </p:nvSpPr>
+        <p:spPr/>
+        <p:txBody>
+          <a:bodyPr/>
+          <a:lstStyle/>
+          <a:p>
+            <a:r>
+              <a:rPr lang="en-US" dirty="0" smtClean="0"/>
+              <a:t>B.1</a:t>
+            </a:r>
+            <a:endParaRPr lang="en-US" dirty="0"/>
+          </a:p>
+        </p:txBody>
+      </p:sp>
+      <p:sp>
+        <p:nvSpPr>
+          <p:cNvPr id="3" name="Content Placeholder 2"/>
+          <p:cNvSpPr>
+            <a:spLocks noGrp="1"/>
+          </p:cNvSpPr>
+          <p:nvPr>
+            <p:ph idx="1"/>
+          </p:nvPr>
+        </p:nvSpPr>
+        <p:spPr/>
+        <p:txBody>
+          <a:bodyPr/>
+          <a:lstStyle/>
+          <a:p>
+            <a:r>
+              <a:rPr lang="en-US" dirty="0" smtClean="0"/>
+              <a:t>Image sequence and test images for the project were obtained</a:t>
+            </a:r>
+            <a:endParaRPr lang="en-US" dirty="0"/>
+          </a:p>
+        </p:txBody>
+      </p:sp>
+    </p:spTree>
+    <p:extLst>
+      <p:ext uri="{BB962C8B-B14F-4D97-AF65-F5344CB8AC3E}">
+        <p14:creationId xmlns:p14="http://schemas.microsoft.com/office/powerpoint/2010/main" val="3906968804"/>
+      </p:ext>
+    </p:extLst>
+  </p:cSld>
+  <p:clrMapOvr>
+    <a:masterClrMapping/>
+  </p:clrMapOvr>
+</p:sld>
+</file>
+
+<file path=ppt/slides/slide5.xml><?xml version="1.0" encoding="utf-8"?>
+<p:sld xmlns:a="http://schemas.openxmlformats.org/drawingml/2006/main" xmlns:r="http://schemas.openxmlformats.org/officeDocument/2006/relationships" xmlns:p="http://schemas.openxmlformats.org/presentationml/2006/main">
+  <p:cSld>
+    <p:spTree>
+      <p:nvGrpSpPr>
+        <p:cNvPr id="1" name=""/>
+        <p:cNvGrpSpPr/>
+        <p:nvPr/>
+      </p:nvGrpSpPr>
+      <p:grpSpPr>
+        <a:xfrm>
+          <a:off x="0" y="0"/>
+          <a:ext cx="0" cy="0"/>
+          <a:chOff x="0" y="0"/>
+          <a:chExt cx="0" cy="0"/>
+        </a:xfrm>
+      </p:grpSpPr>
+      <p:sp>
+        <p:nvSpPr>
+          <p:cNvPr id="2" name="Title 1"/>
+          <p:cNvSpPr>
+            <a:spLocks noGrp="1"/>
+          </p:cNvSpPr>
+          <p:nvPr>
+            <p:ph type="title"/>
+          </p:nvPr>
+        </p:nvSpPr>
+        <p:spPr/>
+        <p:txBody>
+          <a:bodyPr/>
+          <a:lstStyle/>
+          <a:p>
+            <a:r>
+              <a:rPr lang="en-US" dirty="0" smtClean="0"/>
+              <a:t>B.2- Characterizing fluorescence image background noise</a:t>
+            </a:r>
+            <a:endParaRPr lang="en-US" dirty="0"/>
+          </a:p>
+        </p:txBody>
+      </p:sp>
+      <p:sp>
+        <p:nvSpPr>
+          <p:cNvPr id="3" name="Content Placeholder 2"/>
+          <p:cNvSpPr>
+            <a:spLocks noGrp="1"/>
+          </p:cNvSpPr>
+          <p:nvPr>
+            <p:ph idx="1"/>
+          </p:nvPr>
+        </p:nvSpPr>
+        <p:spPr/>
+        <p:txBody>
+          <a:bodyPr/>
+          <a:lstStyle/>
+          <a:p>
+            <a:r>
+              <a:rPr lang="en-US" dirty="0" smtClean="0"/>
+              <a:t>We cropped background samples from the image sequence.</a:t>
+            </a:r>
+          </a:p>
+          <a:p>
+            <a:endParaRPr lang="en-US" dirty="0"/>
+          </a:p>
+          <a:p>
+            <a:r>
+              <a:rPr lang="en-US" dirty="0" smtClean="0"/>
+              <a:t>We then tested the distribution of values in each background, using </a:t>
+            </a:r>
+            <a:r>
+              <a:rPr lang="en-US" dirty="0" err="1" smtClean="0"/>
+              <a:t>kstest</a:t>
+            </a:r>
+            <a:r>
+              <a:rPr lang="en-US" dirty="0" smtClean="0"/>
+              <a:t> in </a:t>
+            </a:r>
+            <a:r>
+              <a:rPr lang="en-US" dirty="0" err="1" smtClean="0"/>
+              <a:t>matlab</a:t>
+            </a:r>
+            <a:r>
+              <a:rPr lang="en-US" dirty="0" smtClean="0"/>
+              <a:t> (B.2.1).</a:t>
+            </a:r>
+          </a:p>
+          <a:p>
+            <a:endParaRPr lang="en-US" dirty="0"/>
+          </a:p>
+          <a:p>
+            <a:r>
+              <a:rPr lang="en-US" dirty="0" smtClean="0"/>
+              <a:t>Each, and every, image had a background that, with a p-value of less than .05,  was significantly close in distribution to a Normal distribution. </a:t>
+            </a:r>
+            <a:endParaRPr lang="en-US" dirty="0"/>
+          </a:p>
+        </p:txBody>
+      </p:sp>
+    </p:spTree>
+    <p:extLst>
+      <p:ext uri="{BB962C8B-B14F-4D97-AF65-F5344CB8AC3E}">
+        <p14:creationId xmlns:p14="http://schemas.microsoft.com/office/powerpoint/2010/main" val="588336656"/>
+      </p:ext>
+    </p:extLst>
+  </p:cSld>
+  <p:clrMapOvr>
+    <a:masterClrMapping/>
+  </p:clrMapOvr>
+</p:sld>
+</file>
+
+<file path=ppt/slides/slide6.xml><?xml version="1.0" encoding="utf-8"?>
+<p:sld xmlns:a="http://schemas.openxmlformats.org/drawingml/2006/main" xmlns:r="http://schemas.openxmlformats.org/officeDocument/2006/relationships" xmlns:p="http://schemas.openxmlformats.org/presentationml/2006/main">
+  <p:cSld>
+    <p:spTree>
+      <p:nvGrpSpPr>
+        <p:cNvPr id="1" name=""/>
+        <p:cNvGrpSpPr/>
+        <p:nvPr/>
+      </p:nvGrpSpPr>
+      <p:grpSpPr>
+        <a:xfrm>
+          <a:off x="0" y="0"/>
+          <a:ext cx="0" cy="0"/>
+          <a:chOff x="0" y="0"/>
+          <a:chExt cx="0" cy="0"/>
+        </a:xfrm>
+      </p:grpSpPr>
+      <p:sp>
+        <p:nvSpPr>
+          <p:cNvPr id="2" name="Title 1"/>
+          <p:cNvSpPr>
+            <a:spLocks noGrp="1"/>
+          </p:cNvSpPr>
+          <p:nvPr>
+            <p:ph type="title"/>
+          </p:nvPr>
+        </p:nvSpPr>
+        <p:spPr/>
+        <p:txBody>
+          <a:bodyPr/>
+          <a:lstStyle/>
+          <a:p>
+            <a:r>
+              <a:rPr lang="en-US" dirty="0" smtClean="0"/>
+              <a:t>B.2- Continued</a:t>
+            </a:r>
+            <a:endParaRPr lang="en-US" dirty="0"/>
+          </a:p>
+        </p:txBody>
+      </p:sp>
+      <p:sp>
+        <p:nvSpPr>
+          <p:cNvPr id="3" name="Content Placeholder 2"/>
+          <p:cNvSpPr>
+            <a:spLocks noGrp="1"/>
+          </p:cNvSpPr>
+          <p:nvPr>
+            <p:ph idx="1"/>
+          </p:nvPr>
+        </p:nvSpPr>
+        <p:spPr/>
+        <p:txBody>
+          <a:bodyPr/>
+          <a:lstStyle/>
+          <a:p>
+            <a:r>
+              <a:rPr lang="en-US" dirty="0" smtClean="0"/>
+              <a:t>Because the noise had a normal distribution, it could not be white noise</a:t>
+            </a:r>
+          </a:p>
+          <a:p>
+            <a:endParaRPr lang="en-US" dirty="0"/>
+          </a:p>
+          <a:p>
+            <a:r>
+              <a:rPr lang="en-US" dirty="0" smtClean="0"/>
+              <a:t> We then compared the background between every 2 adjacent images in the image sequence, to see if the background distribution changed over time. (B.2.2)</a:t>
+            </a:r>
+          </a:p>
+          <a:p>
+            <a:endParaRPr lang="en-US" dirty="0"/>
+          </a:p>
+          <a:p>
+            <a:r>
+              <a:rPr lang="en-US" dirty="0" smtClean="0"/>
+              <a:t>Roughly 40 pairs of adjacent images had significantly different background </a:t>
+            </a:r>
+            <a:r>
+              <a:rPr lang="en-US" dirty="0" err="1" smtClean="0"/>
+              <a:t>distributionsd</a:t>
+            </a:r>
+            <a:endParaRPr lang="en-US" dirty="0"/>
+          </a:p>
+        </p:txBody>
+      </p:sp>
+    </p:spTree>
+    <p:extLst>
+      <p:ext uri="{BB962C8B-B14F-4D97-AF65-F5344CB8AC3E}">
+        <p14:creationId xmlns:p14="http://schemas.microsoft.com/office/powerpoint/2010/main" val="4241428250"/>
+      </p:ext>
+    </p:extLst>
+  </p:cSld>
+  <p:clrMapOvr>
+    <a:masterClrMapping/>
+  </p:clrMapOvr>
+</p:sld>
+</file>
+
+<file path=ppt/slides/slide7.xml><?xml version="1.0" encoding="utf-8"?>
+<p:sld xmlns:a="http://schemas.openxmlformats.org/drawingml/2006/main" xmlns:r="http://schemas.openxmlformats.org/officeDocument/2006/relationships" xmlns:p="http://schemas.openxmlformats.org/presentationml/2006/main">
+  <p:cSld>
+    <p:spTree>
+      <p:nvGrpSpPr>
+        <p:cNvPr id="1" name=""/>
+        <p:cNvGrpSpPr/>
+        <p:nvPr/>
+      </p:nvGrpSpPr>
+      <p:grpSpPr>
+        <a:xfrm>
+          <a:off x="0" y="0"/>
+          <a:ext cx="0" cy="0"/>
+          <a:chOff x="0" y="0"/>
+          <a:chExt cx="0" cy="0"/>
+        </a:xfrm>
+      </p:grpSpPr>
+      <p:sp>
+        <p:nvSpPr>
+          <p:cNvPr id="2" name="Title 1"/>
+          <p:cNvSpPr>
+            <a:spLocks noGrp="1"/>
+          </p:cNvSpPr>
+          <p:nvPr>
+            <p:ph type="title"/>
+          </p:nvPr>
+        </p:nvSpPr>
+        <p:spPr/>
+        <p:txBody>
+          <a:bodyPr/>
+          <a:lstStyle/>
+          <a:p>
+            <a:pPr algn="ctr"/>
+            <a:r>
+              <a:rPr lang="en-US" dirty="0" smtClean="0"/>
+              <a:t>Plot of Background </a:t>
+            </a:r>
+            <a:br>
+              <a:rPr lang="en-US" dirty="0" smtClean="0"/>
+            </a:br>
+            <a:r>
+              <a:rPr lang="en-US" dirty="0" smtClean="0"/>
+              <a:t>Standard Deviation </a:t>
+            </a:r>
+            <a:r>
+              <a:rPr lang="en-US" dirty="0"/>
+              <a:t>o</a:t>
+            </a:r>
+            <a:r>
+              <a:rPr lang="en-US" dirty="0" smtClean="0"/>
+              <a:t>ver </a:t>
+            </a:r>
+            <a:r>
+              <a:rPr lang="en-US" dirty="0"/>
+              <a:t>T</a:t>
+            </a:r>
+            <a:r>
+              <a:rPr lang="en-US" dirty="0" smtClean="0"/>
+              <a:t>ime </a:t>
+            </a:r>
+            <a:endParaRPr lang="en-US" dirty="0"/>
+          </a:p>
+        </p:txBody>
+      </p:sp>
+      <p:pic>
+        <p:nvPicPr>
+          <p:cNvPr id="6" name="Content Placeholder 5"/>
+          <p:cNvPicPr>
+            <a:picLocks noGrp="1" noChangeAspect="1"/>
+          </p:cNvPicPr>
+          <p:nvPr>
+            <p:ph idx="1"/>
+          </p:nvPr>
+        </p:nvPicPr>
+        <p:blipFill>
+          <a:blip r:embed="rId2"/>
+          <a:stretch>
+            <a:fillRect/>
+          </a:stretch>
+        </p:blipFill>
+        <p:spPr>
+          <a:xfrm>
+            <a:off x="3196909" y="1825625"/>
+            <a:ext cx="5798182" cy="4351338"/>
+          </a:xfrm>
+          <a:prstGeom prst="rect">
+            <a:avLst/>
+          </a:prstGeom>
+        </p:spPr>
+      </p:pic>
+    </p:spTree>
+    <p:extLst>
+      <p:ext uri="{BB962C8B-B14F-4D97-AF65-F5344CB8AC3E}">
+        <p14:creationId xmlns:p14="http://schemas.microsoft.com/office/powerpoint/2010/main" val="639070316"/>
+      </p:ext>
+    </p:extLst>
+  </p:cSld>
+  <p:clrMapOvr>
+    <a:masterClrMapping/>
+  </p:clrMapOvr>
+</p:sld>
+</file>
+
+<file path=ppt/slides/slide8.xml><?xml version="1.0" encoding="utf-8"?>
+<p:sld xmlns:a="http://schemas.openxmlformats.org/drawingml/2006/main" xmlns:r="http://schemas.openxmlformats.org/officeDocument/2006/relationships" xmlns:p="http://schemas.openxmlformats.org/presentationml/2006/main">
+  <p:cSld>
+    <p:spTree>
+      <p:nvGrpSpPr>
+        <p:cNvPr id="1" name=""/>
+        <p:cNvGrpSpPr/>
+        <p:nvPr/>
+      </p:nvGrpSpPr>
+      <p:grpSpPr>
+        <a:xfrm>
+          <a:off x="0" y="0"/>
+          <a:ext cx="0" cy="0"/>
+          <a:chOff x="0" y="0"/>
+          <a:chExt cx="0" cy="0"/>
+        </a:xfrm>
+      </p:grpSpPr>
+      <p:sp>
+        <p:nvSpPr>
+          <p:cNvPr id="2" name="Title 1"/>
+          <p:cNvSpPr>
+            <a:spLocks noGrp="1"/>
+          </p:cNvSpPr>
+          <p:nvPr>
+            <p:ph type="title"/>
+          </p:nvPr>
+        </p:nvSpPr>
+        <p:spPr/>
+        <p:txBody>
+          <a:bodyPr/>
+          <a:lstStyle/>
+          <a:p>
+            <a:r>
+              <a:rPr lang="en-US" dirty="0" smtClean="0"/>
+              <a:t>Plot of Background Mean </a:t>
+            </a:r>
+            <a:r>
+              <a:rPr lang="en-US" dirty="0"/>
+              <a:t>o</a:t>
+            </a:r>
+            <a:r>
+              <a:rPr lang="en-US" dirty="0" smtClean="0"/>
+              <a:t>ver </a:t>
+            </a:r>
+            <a:r>
+              <a:rPr lang="en-US" dirty="0"/>
+              <a:t>T</a:t>
+            </a:r>
+            <a:r>
+              <a:rPr lang="en-US" dirty="0" smtClean="0"/>
+              <a:t>ime </a:t>
+            </a:r>
+            <a:endParaRPr lang="en-US" dirty="0"/>
+          </a:p>
+        </p:txBody>
+      </p:sp>
+      <p:pic>
+        <p:nvPicPr>
+          <p:cNvPr id="4" name="Content Placeholder 3"/>
+          <p:cNvPicPr>
+            <a:picLocks noGrp="1" noChangeAspect="1"/>
+          </p:cNvPicPr>
+          <p:nvPr>
+            <p:ph idx="1"/>
+          </p:nvPr>
+        </p:nvPicPr>
+        <p:blipFill>
+          <a:blip r:embed="rId2"/>
+          <a:stretch>
+            <a:fillRect/>
+          </a:stretch>
+        </p:blipFill>
+        <p:spPr>
+          <a:xfrm>
+            <a:off x="3196909" y="1825625"/>
+            <a:ext cx="5798182" cy="4351338"/>
+          </a:xfrm>
+          <a:prstGeom prst="rect">
+            <a:avLst/>
+          </a:prstGeom>
+        </p:spPr>
+      </p:pic>
+    </p:spTree>
+    <p:extLst>
+      <p:ext uri="{BB962C8B-B14F-4D97-AF65-F5344CB8AC3E}">
+        <p14:creationId xmlns:p14="http://schemas.microsoft.com/office/powerpoint/2010/main" val="1883258634"/>
+      </p:ext>
+    </p:extLst>
+  </p:cSld>
+  <p:clrMapOvr>
+    <a:masterClrMapping/>
+  </p:clrMapOvr>
+</p:sld>
+</file>
+
+<file path=ppt/slides/slide9.xml><?xml version="1.0" encoding="utf-8"?>
+<p:sld xmlns:a="http://schemas.openxmlformats.org/drawingml/2006/main" xmlns:r="http://schemas.openxmlformats.org/officeDocument/2006/relationships" xmlns:p="http://schemas.openxmlformats.org/presentationml/2006/main">
+  <p:cSld>
+    <p:spTree>
+      <p:nvGrpSpPr>
+        <p:cNvPr id="1" name=""/>
+        <p:cNvGrpSpPr/>
+        <p:nvPr/>
+      </p:nvGrpSpPr>
+      <p:grpSpPr>
+        <a:xfrm>
+          <a:off x="0" y="0"/>
+          <a:ext cx="0" cy="0"/>
+          <a:chOff x="0" y="0"/>
+          <a:chExt cx="0" cy="0"/>
+        </a:xfrm>
+      </p:grpSpPr>
+      <p:sp>
+        <p:nvSpPr>
+          <p:cNvPr id="2" name="Title 1"/>
+          <p:cNvSpPr>
+            <a:spLocks noGrp="1"/>
+          </p:cNvSpPr>
+          <p:nvPr>
+            <p:ph type="title"/>
+          </p:nvPr>
+        </p:nvSpPr>
+        <p:spPr/>
+        <p:txBody>
+          <a:bodyPr/>
+          <a:lstStyle/>
+          <a:p>
+            <a:r>
+              <a:rPr lang="en-US" dirty="0"/>
+              <a:t>B.2- Continued</a:t>
+            </a:r>
+          </a:p>
+        </p:txBody>
+      </p:sp>
+      <p:sp>
+        <p:nvSpPr>
+          <p:cNvPr id="5" name="Content Placeholder 4"/>
+          <p:cNvSpPr>
+            <a:spLocks noGrp="1"/>
+          </p:cNvSpPr>
+          <p:nvPr>
+            <p:ph idx="1"/>
+          </p:nvPr>
+        </p:nvSpPr>
+        <p:spPr/>
+        <p:txBody>
+          <a:bodyPr/>
+          <a:lstStyle/>
+          <a:p>
+            <a:r>
+              <a:rPr lang="en-US" dirty="0" smtClean="0"/>
+              <a:t>Took the first image and compared several samples of the background to determine if the distribution of values is specially uniform(B.2.3)</a:t>
+            </a:r>
+          </a:p>
+          <a:p>
+            <a:endParaRPr lang="en-US" dirty="0" smtClean="0"/>
+          </a:p>
+          <a:p>
+            <a:r>
+              <a:rPr lang="en-US" dirty="0" smtClean="0"/>
+              <a:t> Took 5 cropped samples of the background and compared these sets of pixels with kstest2</a:t>
+            </a:r>
+          </a:p>
+          <a:p>
+            <a:endParaRPr lang="en-US" dirty="0" smtClean="0"/>
+          </a:p>
+          <a:p>
+            <a:r>
+              <a:rPr lang="en-US" dirty="0" smtClean="0"/>
+              <a:t>All comparisons </a:t>
+            </a:r>
+            <a:r>
+              <a:rPr lang="en-US" smtClean="0"/>
+              <a:t>were significant.</a:t>
+            </a:r>
+            <a:endParaRPr lang="en-US" dirty="0"/>
+          </a:p>
+        </p:txBody>
+      </p:sp>
+    </p:spTree>
+    <p:extLst>
+      <p:ext uri="{BB962C8B-B14F-4D97-AF65-F5344CB8AC3E}">
+        <p14:creationId xmlns:p14="http://schemas.microsoft.com/office/powerpoint/2010/main" val="223834976"/>
       </p:ext>
     </p:extLst>
   </p:cSld>

--- a/project3/Alansslides.pptx
+++ b/project3/Alansslides.pptx
@@ -3728,11 +3728,7 @@
           <a:p>
             <a:r>
               <a:rPr lang="en-US" dirty="0" smtClean="0"/>
-              <a:t>All comparisons </a:t>
-            </a:r>
-            <a:r>
-              <a:rPr lang="en-US" smtClean="0"/>
-              <a:t>were significant.</a:t>
+              <a:t>All comparisons were significant.</a:t>
             </a:r>
             <a:endParaRPr lang="en-US" dirty="0"/>
           </a:p>

--- a/project3/Alansslides.pptx
+++ b/project3/Alansslides.pptx
@@ -14,6 +14,7 @@
     <p:sldId id="262" r:id="rId8"/>
     <p:sldId id="264" r:id="rId9"/>
     <p:sldId id="263" r:id="rId10"/>
+    <p:sldId id="265" r:id="rId11"/>
   </p:sldIdLst>
   <p:sldSz cx="12192000" cy="6858000"/>
   <p:notesSz cx="6858000" cy="9144000"/>
@@ -3028,6 +3029,82 @@
 </p:sld>
 </file>
 
+<file path=ppt/slides/slide10.xml><?xml version="1.0" encoding="utf-8"?>
+<p:sld xmlns:a="http://schemas.openxmlformats.org/drawingml/2006/main" xmlns:r="http://schemas.openxmlformats.org/officeDocument/2006/relationships" xmlns:p="http://schemas.openxmlformats.org/presentationml/2006/main">
+  <p:cSld>
+    <p:spTree>
+      <p:nvGrpSpPr>
+        <p:cNvPr id="1" name=""/>
+        <p:cNvGrpSpPr/>
+        <p:nvPr/>
+      </p:nvGrpSpPr>
+      <p:grpSpPr>
+        <a:xfrm>
+          <a:off x="0" y="0"/>
+          <a:ext cx="0" cy="0"/>
+          <a:chOff x="0" y="0"/>
+          <a:chExt cx="0" cy="0"/>
+        </a:xfrm>
+      </p:grpSpPr>
+      <p:sp>
+        <p:nvSpPr>
+          <p:cNvPr id="2" name="Title 1"/>
+          <p:cNvSpPr>
+            <a:spLocks noGrp="1"/>
+          </p:cNvSpPr>
+          <p:nvPr>
+            <p:ph type="title"/>
+          </p:nvPr>
+        </p:nvSpPr>
+        <p:spPr/>
+        <p:txBody>
+          <a:bodyPr/>
+          <a:lstStyle/>
+          <a:p>
+            <a:r>
+              <a:rPr lang="en-US" dirty="0" smtClean="0"/>
+              <a:t>Analysis of images </a:t>
+            </a:r>
+            <a:r>
+              <a:rPr lang="en-US" smtClean="0"/>
+              <a:t>from project 1</a:t>
+            </a:r>
+            <a:endParaRPr lang="en-US"/>
+          </a:p>
+        </p:txBody>
+      </p:sp>
+      <p:sp>
+        <p:nvSpPr>
+          <p:cNvPr id="3" name="Content Placeholder 2"/>
+          <p:cNvSpPr>
+            <a:spLocks noGrp="1"/>
+          </p:cNvSpPr>
+          <p:nvPr>
+            <p:ph idx="1"/>
+          </p:nvPr>
+        </p:nvSpPr>
+        <p:spPr/>
+        <p:txBody>
+          <a:bodyPr/>
+          <a:lstStyle/>
+          <a:p>
+            <a:endParaRPr lang="en-US"/>
+          </a:p>
+        </p:txBody>
+      </p:sp>
+    </p:spTree>
+    <p:extLst>
+      <p:ext uri="{BB962C8B-B14F-4D97-AF65-F5344CB8AC3E}">
+        <p14:creationId xmlns:p14="http://schemas.microsoft.com/office/powerpoint/2010/main" val="3537317498"/>
+      </p:ext>
+    </p:extLst>
+  </p:cSld>
+  <p:clrMapOvr>
+    <a:masterClrMapping/>
+  </p:clrMapOvr>
+</p:sld>
+</file>
+
 <file path=ppt/slides/slide2.xml><?xml version="1.0" encoding="utf-8"?>
 <p:sld xmlns:a="http://schemas.openxmlformats.org/drawingml/2006/main" xmlns:r="http://schemas.openxmlformats.org/officeDocument/2006/relationships" xmlns:p="http://schemas.openxmlformats.org/presentationml/2006/main">
   <p:cSld>
